--- a/Batch-07/Proff Lecture Material/4. AWS Signup.pptx
+++ b/Batch-07/Proff Lecture Material/4. AWS Signup.pptx
@@ -5,19 +5,18 @@
     <p:sldMasterId id="2147483660" r:id="rId1"/>
   </p:sldMasterIdLst>
   <p:notesMasterIdLst>
-    <p:notesMasterId r:id="rId12"/>
+    <p:notesMasterId r:id="rId11"/>
   </p:notesMasterIdLst>
   <p:sldIdLst>
     <p:sldId id="256" r:id="rId2"/>
     <p:sldId id="257" r:id="rId3"/>
     <p:sldId id="258" r:id="rId4"/>
     <p:sldId id="259" r:id="rId5"/>
-    <p:sldId id="260" r:id="rId6"/>
-    <p:sldId id="261" r:id="rId7"/>
-    <p:sldId id="262" r:id="rId8"/>
-    <p:sldId id="263" r:id="rId9"/>
-    <p:sldId id="264" r:id="rId10"/>
-    <p:sldId id="265" r:id="rId11"/>
+    <p:sldId id="261" r:id="rId6"/>
+    <p:sldId id="262" r:id="rId7"/>
+    <p:sldId id="263" r:id="rId8"/>
+    <p:sldId id="264" r:id="rId9"/>
+    <p:sldId id="265" r:id="rId10"/>
   </p:sldIdLst>
   <p:sldSz cx="9144000" cy="6858000" type="screen4x3"/>
   <p:notesSz cx="6858000" cy="9144000"/>
@@ -116,7 +115,35 @@
       </a:defRPr>
     </a:lvl9pPr>
   </p:defaultTextStyle>
+  <p:extLst>
+    <p:ext uri="{EFAFB233-063F-42B5-8137-9DF3F51BA10A}">
+      <p15:sldGuideLst xmlns:p15="http://schemas.microsoft.com/office/powerpoint/2012/main">
+        <p15:guide id="1" orient="horz" pos="2160">
+          <p15:clr>
+            <a:srgbClr val="A4A3A4"/>
+          </p15:clr>
+        </p15:guide>
+        <p15:guide id="2" pos="2880">
+          <p15:clr>
+            <a:srgbClr val="A4A3A4"/>
+          </p15:clr>
+        </p15:guide>
+      </p15:sldGuideLst>
+    </p:ext>
+  </p:extLst>
 </p:presentation>
+</file>
+
+<file path=ppt/commentAuthors.xml><?xml version="1.0" encoding="utf-8"?>
+<p:cmAuthorLst xmlns:a="http://schemas.openxmlformats.org/drawingml/2006/main" xmlns:r="http://schemas.openxmlformats.org/officeDocument/2006/relationships" xmlns:p="http://schemas.openxmlformats.org/presentationml/2006/main">
+  <p:cmAuthor id="1" name="Godwill Ngwanah" initials="GN" lastIdx="1" clrIdx="0">
+    <p:extLst>
+      <p:ext uri="{19B8F6BF-5375-455C-9EA6-DF929625EA0E}">
+        <p15:presenceInfo xmlns:p15="http://schemas.microsoft.com/office/powerpoint/2012/main" userId="b32a8e85d7c9ebc2" providerId="Windows Live"/>
+      </p:ext>
+    </p:extLst>
+  </p:cmAuthor>
+</p:cmAuthorLst>
 </file>
 
 <file path=ppt/notesMasters/notesMaster1.xml><?xml version="1.0" encoding="utf-8"?>
@@ -202,7 +229,7 @@
             <a:fld id="{AD75EC4F-A4FF-4EC3-91D6-11BA9A50712C}" type="datetimeFigureOut">
               <a:rPr lang="en-US" smtClean="0"/>
               <a:pPr/>
-              <a:t>5/9/2020</a:t>
+              <a:t>2/2/2022</a:t>
             </a:fld>
             <a:endParaRPr lang="en-US"/>
           </a:p>
@@ -268,38 +295,37 @@
           <a:p>
             <a:pPr lvl="0"/>
             <a:r>
-              <a:rPr lang="en-US" smtClean="0"/>
+              <a:rPr lang="en-US"/>
               <a:t>Click to edit Master text styles</a:t>
             </a:r>
           </a:p>
           <a:p>
             <a:pPr lvl="1"/>
             <a:r>
-              <a:rPr lang="en-US" smtClean="0"/>
+              <a:rPr lang="en-US"/>
               <a:t>Second level</a:t>
             </a:r>
           </a:p>
           <a:p>
             <a:pPr lvl="2"/>
             <a:r>
-              <a:rPr lang="en-US" smtClean="0"/>
+              <a:rPr lang="en-US"/>
               <a:t>Third level</a:t>
             </a:r>
           </a:p>
           <a:p>
             <a:pPr lvl="3"/>
             <a:r>
-              <a:rPr lang="en-US" smtClean="0"/>
+              <a:rPr lang="en-US"/>
               <a:t>Fourth level</a:t>
             </a:r>
           </a:p>
           <a:p>
             <a:pPr lvl="4"/>
             <a:r>
-              <a:rPr lang="en-US" smtClean="0"/>
+              <a:rPr lang="en-US"/>
               <a:t>Fifth level</a:t>
             </a:r>
-            <a:endParaRPr lang="en-US"/>
           </a:p>
         </p:txBody>
       </p:sp>
@@ -536,7 +562,7 @@
             <a:fld id="{DEE41553-07B9-4F0F-8377-0B3F319669FB}" type="slidenum">
               <a:rPr lang="en-US" smtClean="0"/>
               <a:pPr/>
-              <a:t>6</a:t>
+              <a:t>5</a:t>
             </a:fld>
             <a:endParaRPr lang="en-US"/>
           </a:p>
@@ -638,10 +664,9 @@
           </a:lstStyle>
           <a:p>
             <a:r>
-              <a:rPr kumimoji="0" lang="en-US" smtClean="0"/>
+              <a:rPr kumimoji="0" lang="en-US"/>
               <a:t>Click to edit Master title style</a:t>
             </a:r>
-            <a:endParaRPr kumimoji="0" lang="en-US"/>
           </a:p>
         </p:txBody>
       </p:sp>
@@ -699,10 +724,9 @@
           </a:lstStyle>
           <a:p>
             <a:r>
-              <a:rPr kumimoji="0" lang="en-US" smtClean="0"/>
+              <a:rPr kumimoji="0" lang="en-US"/>
               <a:t>Click to edit Master subtitle style</a:t>
             </a:r>
-            <a:endParaRPr kumimoji="0" lang="en-US"/>
           </a:p>
         </p:txBody>
       </p:sp>
@@ -724,7 +748,7 @@
             <a:fld id="{97F9FE86-6232-4B82-85E4-3ABB51E5B8DE}" type="datetimeFigureOut">
               <a:rPr lang="en-US" smtClean="0"/>
               <a:pPr/>
-              <a:t>5/9/2020</a:t>
+              <a:t>2/2/2022</a:t>
             </a:fld>
             <a:endParaRPr lang="en-US"/>
           </a:p>
@@ -814,10 +838,9 @@
           <a:lstStyle/>
           <a:p>
             <a:r>
-              <a:rPr kumimoji="0" lang="en-US" smtClean="0"/>
+              <a:rPr kumimoji="0" lang="en-US"/>
               <a:t>Click to edit Master title style</a:t>
             </a:r>
-            <a:endParaRPr kumimoji="0" lang="en-US"/>
           </a:p>
         </p:txBody>
       </p:sp>
@@ -838,35 +861,35 @@
           <a:p>
             <a:pPr lvl="0" eaLnBrk="1" latinLnBrk="0" hangingPunct="1"/>
             <a:r>
-              <a:rPr lang="en-US" smtClean="0"/>
+              <a:rPr lang="en-US"/>
               <a:t>Click to edit Master text styles</a:t>
             </a:r>
           </a:p>
           <a:p>
             <a:pPr lvl="1" eaLnBrk="1" latinLnBrk="0" hangingPunct="1"/>
             <a:r>
-              <a:rPr lang="en-US" smtClean="0"/>
+              <a:rPr lang="en-US"/>
               <a:t>Second level</a:t>
             </a:r>
           </a:p>
           <a:p>
             <a:pPr lvl="2" eaLnBrk="1" latinLnBrk="0" hangingPunct="1"/>
             <a:r>
-              <a:rPr lang="en-US" smtClean="0"/>
+              <a:rPr lang="en-US"/>
               <a:t>Third level</a:t>
             </a:r>
           </a:p>
           <a:p>
             <a:pPr lvl="3" eaLnBrk="1" latinLnBrk="0" hangingPunct="1"/>
             <a:r>
-              <a:rPr lang="en-US" smtClean="0"/>
+              <a:rPr lang="en-US"/>
               <a:t>Fourth level</a:t>
             </a:r>
           </a:p>
           <a:p>
             <a:pPr lvl="4" eaLnBrk="1" latinLnBrk="0" hangingPunct="1"/>
             <a:r>
-              <a:rPr lang="en-US" smtClean="0"/>
+              <a:rPr lang="en-US"/>
               <a:t>Fifth level</a:t>
             </a:r>
             <a:endParaRPr kumimoji="0" lang="en-US"/>
@@ -891,7 +914,7 @@
             <a:fld id="{97F9FE86-6232-4B82-85E4-3ABB51E5B8DE}" type="datetimeFigureOut">
               <a:rPr lang="en-US" smtClean="0"/>
               <a:pPr/>
-              <a:t>5/9/2020</a:t>
+              <a:t>2/2/2022</a:t>
             </a:fld>
             <a:endParaRPr lang="en-US"/>
           </a:p>
@@ -986,10 +1009,9 @@
           <a:lstStyle/>
           <a:p>
             <a:r>
-              <a:rPr kumimoji="0" lang="en-US" smtClean="0"/>
+              <a:rPr kumimoji="0" lang="en-US"/>
               <a:t>Click to edit Master title style</a:t>
             </a:r>
-            <a:endParaRPr kumimoji="0" lang="en-US"/>
           </a:p>
         </p:txBody>
       </p:sp>
@@ -1015,35 +1037,35 @@
           <a:p>
             <a:pPr lvl="0" eaLnBrk="1" latinLnBrk="0" hangingPunct="1"/>
             <a:r>
-              <a:rPr lang="en-US" smtClean="0"/>
+              <a:rPr lang="en-US"/>
               <a:t>Click to edit Master text styles</a:t>
             </a:r>
           </a:p>
           <a:p>
             <a:pPr lvl="1" eaLnBrk="1" latinLnBrk="0" hangingPunct="1"/>
             <a:r>
-              <a:rPr lang="en-US" smtClean="0"/>
+              <a:rPr lang="en-US"/>
               <a:t>Second level</a:t>
             </a:r>
           </a:p>
           <a:p>
             <a:pPr lvl="2" eaLnBrk="1" latinLnBrk="0" hangingPunct="1"/>
             <a:r>
-              <a:rPr lang="en-US" smtClean="0"/>
+              <a:rPr lang="en-US"/>
               <a:t>Third level</a:t>
             </a:r>
           </a:p>
           <a:p>
             <a:pPr lvl="3" eaLnBrk="1" latinLnBrk="0" hangingPunct="1"/>
             <a:r>
-              <a:rPr lang="en-US" smtClean="0"/>
+              <a:rPr lang="en-US"/>
               <a:t>Fourth level</a:t>
             </a:r>
           </a:p>
           <a:p>
             <a:pPr lvl="4" eaLnBrk="1" latinLnBrk="0" hangingPunct="1"/>
             <a:r>
-              <a:rPr lang="en-US" smtClean="0"/>
+              <a:rPr lang="en-US"/>
               <a:t>Fifth level</a:t>
             </a:r>
             <a:endParaRPr kumimoji="0" lang="en-US"/>
@@ -1068,7 +1090,7 @@
             <a:fld id="{97F9FE86-6232-4B82-85E4-3ABB51E5B8DE}" type="datetimeFigureOut">
               <a:rPr lang="en-US" smtClean="0"/>
               <a:pPr/>
-              <a:t>5/9/2020</a:t>
+              <a:t>2/2/2022</a:t>
             </a:fld>
             <a:endParaRPr lang="en-US"/>
           </a:p>
@@ -1158,10 +1180,9 @@
           <a:lstStyle/>
           <a:p>
             <a:r>
-              <a:rPr kumimoji="0" lang="en-US" smtClean="0"/>
+              <a:rPr kumimoji="0" lang="en-US"/>
               <a:t>Click to edit Master title style</a:t>
             </a:r>
-            <a:endParaRPr kumimoji="0" lang="en-US"/>
           </a:p>
         </p:txBody>
       </p:sp>
@@ -1182,35 +1203,35 @@
           <a:p>
             <a:pPr lvl="0" eaLnBrk="1" latinLnBrk="0" hangingPunct="1"/>
             <a:r>
-              <a:rPr lang="en-US" smtClean="0"/>
+              <a:rPr lang="en-US"/>
               <a:t>Click to edit Master text styles</a:t>
             </a:r>
           </a:p>
           <a:p>
             <a:pPr lvl="1" eaLnBrk="1" latinLnBrk="0" hangingPunct="1"/>
             <a:r>
-              <a:rPr lang="en-US" smtClean="0"/>
+              <a:rPr lang="en-US"/>
               <a:t>Second level</a:t>
             </a:r>
           </a:p>
           <a:p>
             <a:pPr lvl="2" eaLnBrk="1" latinLnBrk="0" hangingPunct="1"/>
             <a:r>
-              <a:rPr lang="en-US" smtClean="0"/>
+              <a:rPr lang="en-US"/>
               <a:t>Third level</a:t>
             </a:r>
           </a:p>
           <a:p>
             <a:pPr lvl="3" eaLnBrk="1" latinLnBrk="0" hangingPunct="1"/>
             <a:r>
-              <a:rPr lang="en-US" smtClean="0"/>
+              <a:rPr lang="en-US"/>
               <a:t>Fourth level</a:t>
             </a:r>
           </a:p>
           <a:p>
             <a:pPr lvl="4" eaLnBrk="1" latinLnBrk="0" hangingPunct="1"/>
             <a:r>
-              <a:rPr lang="en-US" smtClean="0"/>
+              <a:rPr lang="en-US"/>
               <a:t>Fifth level</a:t>
             </a:r>
             <a:endParaRPr kumimoji="0" lang="en-US"/>
@@ -1235,7 +1256,7 @@
             <a:fld id="{97F9FE86-6232-4B82-85E4-3ABB51E5B8DE}" type="datetimeFigureOut">
               <a:rPr lang="en-US" smtClean="0"/>
               <a:pPr/>
-              <a:t>5/9/2020</a:t>
+              <a:t>2/2/2022</a:t>
             </a:fld>
             <a:endParaRPr lang="en-US"/>
           </a:p>
@@ -1377,10 +1398,9 @@
           </a:lstStyle>
           <a:p>
             <a:r>
-              <a:rPr kumimoji="0" lang="en-US" smtClean="0"/>
+              <a:rPr kumimoji="0" lang="en-US"/>
               <a:t>Click to edit Master title style</a:t>
             </a:r>
-            <a:endParaRPr kumimoji="0" lang="en-US"/>
           </a:p>
         </p:txBody>
       </p:sp>
@@ -1455,7 +1475,7 @@
           <a:p>
             <a:pPr lvl="0" eaLnBrk="1" latinLnBrk="0" hangingPunct="1"/>
             <a:r>
-              <a:rPr kumimoji="0" lang="en-US" smtClean="0"/>
+              <a:rPr kumimoji="0" lang="en-US"/>
               <a:t>Click to edit Master text styles</a:t>
             </a:r>
           </a:p>
@@ -1479,7 +1499,7 @@
             <a:fld id="{97F9FE86-6232-4B82-85E4-3ABB51E5B8DE}" type="datetimeFigureOut">
               <a:rPr lang="en-US" smtClean="0"/>
               <a:pPr/>
-              <a:t>5/9/2020</a:t>
+              <a:t>2/2/2022</a:t>
             </a:fld>
             <a:endParaRPr lang="en-US"/>
           </a:p>
@@ -1574,10 +1594,9 @@
           <a:lstStyle/>
           <a:p>
             <a:r>
-              <a:rPr kumimoji="0" lang="en-US" smtClean="0"/>
+              <a:rPr kumimoji="0" lang="en-US"/>
               <a:t>Click to edit Master title style</a:t>
             </a:r>
-            <a:endParaRPr kumimoji="0" lang="en-US"/>
           </a:p>
         </p:txBody>
       </p:sp>
@@ -1619,35 +1638,35 @@
           <a:p>
             <a:pPr lvl="0" eaLnBrk="1" latinLnBrk="0" hangingPunct="1"/>
             <a:r>
-              <a:rPr lang="en-US" smtClean="0"/>
+              <a:rPr lang="en-US"/>
               <a:t>Click to edit Master text styles</a:t>
             </a:r>
           </a:p>
           <a:p>
             <a:pPr lvl="1" eaLnBrk="1" latinLnBrk="0" hangingPunct="1"/>
             <a:r>
-              <a:rPr lang="en-US" smtClean="0"/>
+              <a:rPr lang="en-US"/>
               <a:t>Second level</a:t>
             </a:r>
           </a:p>
           <a:p>
             <a:pPr lvl="2" eaLnBrk="1" latinLnBrk="0" hangingPunct="1"/>
             <a:r>
-              <a:rPr lang="en-US" smtClean="0"/>
+              <a:rPr lang="en-US"/>
               <a:t>Third level</a:t>
             </a:r>
           </a:p>
           <a:p>
             <a:pPr lvl="3" eaLnBrk="1" latinLnBrk="0" hangingPunct="1"/>
             <a:r>
-              <a:rPr lang="en-US" smtClean="0"/>
+              <a:rPr lang="en-US"/>
               <a:t>Fourth level</a:t>
             </a:r>
           </a:p>
           <a:p>
             <a:pPr lvl="4" eaLnBrk="1" latinLnBrk="0" hangingPunct="1"/>
             <a:r>
-              <a:rPr lang="en-US" smtClean="0"/>
+              <a:rPr lang="en-US"/>
               <a:t>Fifth level</a:t>
             </a:r>
             <a:endParaRPr kumimoji="0" lang="en-US"/>
@@ -1692,35 +1711,35 @@
           <a:p>
             <a:pPr lvl="0" eaLnBrk="1" latinLnBrk="0" hangingPunct="1"/>
             <a:r>
-              <a:rPr lang="en-US" smtClean="0"/>
+              <a:rPr lang="en-US"/>
               <a:t>Click to edit Master text styles</a:t>
             </a:r>
           </a:p>
           <a:p>
             <a:pPr lvl="1" eaLnBrk="1" latinLnBrk="0" hangingPunct="1"/>
             <a:r>
-              <a:rPr lang="en-US" smtClean="0"/>
+              <a:rPr lang="en-US"/>
               <a:t>Second level</a:t>
             </a:r>
           </a:p>
           <a:p>
             <a:pPr lvl="2" eaLnBrk="1" latinLnBrk="0" hangingPunct="1"/>
             <a:r>
-              <a:rPr lang="en-US" smtClean="0"/>
+              <a:rPr lang="en-US"/>
               <a:t>Third level</a:t>
             </a:r>
           </a:p>
           <a:p>
             <a:pPr lvl="3" eaLnBrk="1" latinLnBrk="0" hangingPunct="1"/>
             <a:r>
-              <a:rPr lang="en-US" smtClean="0"/>
+              <a:rPr lang="en-US"/>
               <a:t>Fourth level</a:t>
             </a:r>
           </a:p>
           <a:p>
             <a:pPr lvl="4" eaLnBrk="1" latinLnBrk="0" hangingPunct="1"/>
             <a:r>
-              <a:rPr lang="en-US" smtClean="0"/>
+              <a:rPr lang="en-US"/>
               <a:t>Fifth level</a:t>
             </a:r>
             <a:endParaRPr kumimoji="0" lang="en-US"/>
@@ -1745,7 +1764,7 @@
             <a:fld id="{97F9FE86-6232-4B82-85E4-3ABB51E5B8DE}" type="datetimeFigureOut">
               <a:rPr lang="en-US" smtClean="0"/>
               <a:pPr/>
-              <a:t>5/9/2020</a:t>
+              <a:t>2/2/2022</a:t>
             </a:fld>
             <a:endParaRPr lang="en-US"/>
           </a:p>
@@ -1844,10 +1863,9 @@
           </a:lstStyle>
           <a:p>
             <a:r>
-              <a:rPr kumimoji="0" lang="en-US" smtClean="0"/>
+              <a:rPr kumimoji="0" lang="en-US"/>
               <a:t>Click to edit Master title style</a:t>
             </a:r>
-            <a:endParaRPr kumimoji="0" lang="en-US"/>
           </a:p>
         </p:txBody>
       </p:sp>
@@ -1901,7 +1919,7 @@
           <a:p>
             <a:pPr lvl="0" eaLnBrk="1" latinLnBrk="0" hangingPunct="1"/>
             <a:r>
-              <a:rPr kumimoji="0" lang="en-US" smtClean="0"/>
+              <a:rPr kumimoji="0" lang="en-US"/>
               <a:t>Click to edit Master text styles</a:t>
             </a:r>
           </a:p>
@@ -1955,7 +1973,7 @@
           <a:p>
             <a:pPr lvl="0" eaLnBrk="1" latinLnBrk="0" hangingPunct="1"/>
             <a:r>
-              <a:rPr kumimoji="0" lang="en-US" smtClean="0"/>
+              <a:rPr kumimoji="0" lang="en-US"/>
               <a:t>Click to edit Master text styles</a:t>
             </a:r>
           </a:p>
@@ -1999,35 +2017,35 @@
           <a:p>
             <a:pPr lvl="0" eaLnBrk="1" latinLnBrk="0" hangingPunct="1"/>
             <a:r>
-              <a:rPr lang="en-US" smtClean="0"/>
+              <a:rPr lang="en-US"/>
               <a:t>Click to edit Master text styles</a:t>
             </a:r>
           </a:p>
           <a:p>
             <a:pPr lvl="1" eaLnBrk="1" latinLnBrk="0" hangingPunct="1"/>
             <a:r>
-              <a:rPr lang="en-US" smtClean="0"/>
+              <a:rPr lang="en-US"/>
               <a:t>Second level</a:t>
             </a:r>
           </a:p>
           <a:p>
             <a:pPr lvl="2" eaLnBrk="1" latinLnBrk="0" hangingPunct="1"/>
             <a:r>
-              <a:rPr lang="en-US" smtClean="0"/>
+              <a:rPr lang="en-US"/>
               <a:t>Third level</a:t>
             </a:r>
           </a:p>
           <a:p>
             <a:pPr lvl="3" eaLnBrk="1" latinLnBrk="0" hangingPunct="1"/>
             <a:r>
-              <a:rPr lang="en-US" smtClean="0"/>
+              <a:rPr lang="en-US"/>
               <a:t>Fourth level</a:t>
             </a:r>
           </a:p>
           <a:p>
             <a:pPr lvl="4" eaLnBrk="1" latinLnBrk="0" hangingPunct="1"/>
             <a:r>
-              <a:rPr lang="en-US" smtClean="0"/>
+              <a:rPr lang="en-US"/>
               <a:t>Fifth level</a:t>
             </a:r>
             <a:endParaRPr kumimoji="0" lang="en-US"/>
@@ -2072,35 +2090,35 @@
           <a:p>
             <a:pPr lvl="0" eaLnBrk="1" latinLnBrk="0" hangingPunct="1"/>
             <a:r>
-              <a:rPr lang="en-US" smtClean="0"/>
+              <a:rPr lang="en-US"/>
               <a:t>Click to edit Master text styles</a:t>
             </a:r>
           </a:p>
           <a:p>
             <a:pPr lvl="1" eaLnBrk="1" latinLnBrk="0" hangingPunct="1"/>
             <a:r>
-              <a:rPr lang="en-US" smtClean="0"/>
+              <a:rPr lang="en-US"/>
               <a:t>Second level</a:t>
             </a:r>
           </a:p>
           <a:p>
             <a:pPr lvl="2" eaLnBrk="1" latinLnBrk="0" hangingPunct="1"/>
             <a:r>
-              <a:rPr lang="en-US" smtClean="0"/>
+              <a:rPr lang="en-US"/>
               <a:t>Third level</a:t>
             </a:r>
           </a:p>
           <a:p>
             <a:pPr lvl="3" eaLnBrk="1" latinLnBrk="0" hangingPunct="1"/>
             <a:r>
-              <a:rPr lang="en-US" smtClean="0"/>
+              <a:rPr lang="en-US"/>
               <a:t>Fourth level</a:t>
             </a:r>
           </a:p>
           <a:p>
             <a:pPr lvl="4" eaLnBrk="1" latinLnBrk="0" hangingPunct="1"/>
             <a:r>
-              <a:rPr lang="en-US" smtClean="0"/>
+              <a:rPr lang="en-US"/>
               <a:t>Fifth level</a:t>
             </a:r>
             <a:endParaRPr kumimoji="0" lang="en-US"/>
@@ -2125,7 +2143,7 @@
             <a:fld id="{97F9FE86-6232-4B82-85E4-3ABB51E5B8DE}" type="datetimeFigureOut">
               <a:rPr lang="en-US" smtClean="0"/>
               <a:pPr/>
-              <a:t>5/9/2020</a:t>
+              <a:t>2/2/2022</a:t>
             </a:fld>
             <a:endParaRPr lang="en-US"/>
           </a:p>
@@ -2252,10 +2270,9 @@
           </a:lstStyle>
           <a:p>
             <a:r>
-              <a:rPr kumimoji="0" lang="en-US" smtClean="0"/>
+              <a:rPr kumimoji="0" lang="en-US"/>
               <a:t>Click to edit Master title style</a:t>
             </a:r>
-            <a:endParaRPr kumimoji="0" lang="en-US"/>
           </a:p>
         </p:txBody>
       </p:sp>
@@ -2277,7 +2294,7 @@
             <a:fld id="{97F9FE86-6232-4B82-85E4-3ABB51E5B8DE}" type="datetimeFigureOut">
               <a:rPr lang="en-US" smtClean="0"/>
               <a:pPr/>
-              <a:t>5/9/2020</a:t>
+              <a:t>2/2/2022</a:t>
             </a:fld>
             <a:endParaRPr lang="en-US"/>
           </a:p>
@@ -2369,7 +2386,7 @@
             <a:fld id="{97F9FE86-6232-4B82-85E4-3ABB51E5B8DE}" type="datetimeFigureOut">
               <a:rPr lang="en-US" smtClean="0"/>
               <a:pPr/>
-              <a:t>5/9/2020</a:t>
+              <a:t>2/2/2022</a:t>
             </a:fld>
             <a:endParaRPr lang="en-US"/>
           </a:p>
@@ -2485,10 +2502,9 @@
           </a:lstStyle>
           <a:p>
             <a:r>
-              <a:rPr kumimoji="0" lang="en-US" smtClean="0"/>
+              <a:rPr kumimoji="0" lang="en-US"/>
               <a:t>Click to edit Master title style</a:t>
             </a:r>
-            <a:endParaRPr kumimoji="0" lang="en-US"/>
           </a:p>
         </p:txBody>
       </p:sp>
@@ -2535,7 +2551,7 @@
           <a:p>
             <a:pPr lvl="0" eaLnBrk="1" latinLnBrk="0" hangingPunct="1"/>
             <a:r>
-              <a:rPr kumimoji="0" lang="en-US" smtClean="0"/>
+              <a:rPr kumimoji="0" lang="en-US"/>
               <a:t>Click to edit Master text styles</a:t>
             </a:r>
           </a:p>
@@ -2579,35 +2595,35 @@
           <a:p>
             <a:pPr lvl="0" eaLnBrk="1" latinLnBrk="0" hangingPunct="1"/>
             <a:r>
-              <a:rPr lang="en-US" smtClean="0"/>
+              <a:rPr lang="en-US"/>
               <a:t>Click to edit Master text styles</a:t>
             </a:r>
           </a:p>
           <a:p>
             <a:pPr lvl="1" eaLnBrk="1" latinLnBrk="0" hangingPunct="1"/>
             <a:r>
-              <a:rPr lang="en-US" smtClean="0"/>
+              <a:rPr lang="en-US"/>
               <a:t>Second level</a:t>
             </a:r>
           </a:p>
           <a:p>
             <a:pPr lvl="2" eaLnBrk="1" latinLnBrk="0" hangingPunct="1"/>
             <a:r>
-              <a:rPr lang="en-US" smtClean="0"/>
+              <a:rPr lang="en-US"/>
               <a:t>Third level</a:t>
             </a:r>
           </a:p>
           <a:p>
             <a:pPr lvl="3" eaLnBrk="1" latinLnBrk="0" hangingPunct="1"/>
             <a:r>
-              <a:rPr lang="en-US" smtClean="0"/>
+              <a:rPr lang="en-US"/>
               <a:t>Fourth level</a:t>
             </a:r>
           </a:p>
           <a:p>
             <a:pPr lvl="4" eaLnBrk="1" latinLnBrk="0" hangingPunct="1"/>
             <a:r>
-              <a:rPr lang="en-US" smtClean="0"/>
+              <a:rPr lang="en-US"/>
               <a:t>Fifth level</a:t>
             </a:r>
             <a:endParaRPr kumimoji="0" lang="en-US"/>
@@ -2632,7 +2648,7 @@
             <a:fld id="{97F9FE86-6232-4B82-85E4-3ABB51E5B8DE}" type="datetimeFigureOut">
               <a:rPr lang="en-US" smtClean="0"/>
               <a:pPr/>
-              <a:t>5/9/2020</a:t>
+              <a:t>2/2/2022</a:t>
             </a:fld>
             <a:endParaRPr lang="en-US"/>
           </a:p>
@@ -2848,10 +2864,9 @@
           </a:lstStyle>
           <a:p>
             <a:r>
-              <a:rPr kumimoji="0" lang="en-US" smtClean="0"/>
+              <a:rPr kumimoji="0" lang="en-US"/>
               <a:t>Click to edit Master title style</a:t>
             </a:r>
-            <a:endParaRPr kumimoji="0" lang="en-US"/>
           </a:p>
         </p:txBody>
       </p:sp>
@@ -2898,7 +2913,7 @@
           <a:p>
             <a:pPr lvl="0" eaLnBrk="1" latinLnBrk="0" hangingPunct="1"/>
             <a:r>
-              <a:rPr kumimoji="0" lang="en-US" smtClean="0"/>
+              <a:rPr kumimoji="0" lang="en-US"/>
               <a:t>Click to edit Master text styles</a:t>
             </a:r>
           </a:p>
@@ -2922,7 +2937,7 @@
             <a:fld id="{97F9FE86-6232-4B82-85E4-3ABB51E5B8DE}" type="datetimeFigureOut">
               <a:rPr lang="en-US" smtClean="0"/>
               <a:pPr/>
-              <a:t>5/9/2020</a:t>
+              <a:t>2/2/2022</a:t>
             </a:fld>
             <a:endParaRPr lang="en-US"/>
           </a:p>
@@ -3015,7 +3030,7 @@
           </a:lstStyle>
           <a:p>
             <a:r>
-              <a:rPr kumimoji="0" lang="en-US" smtClean="0"/>
+              <a:rPr kumimoji="0" lang="en-US"/>
               <a:t>Click icon to add picture</a:t>
             </a:r>
             <a:endParaRPr kumimoji="0" lang="en-US" dirty="0"/>
@@ -3590,10 +3605,9 @@
           <a:lstStyle/>
           <a:p>
             <a:r>
-              <a:rPr kumimoji="0" lang="en-US" smtClean="0"/>
+              <a:rPr kumimoji="0" lang="en-US"/>
               <a:t>Click to edit Master title style</a:t>
             </a:r>
-            <a:endParaRPr kumimoji="0" lang="en-US"/>
           </a:p>
         </p:txBody>
       </p:sp>
@@ -3624,38 +3638,37 @@
           <a:p>
             <a:pPr lvl="0" eaLnBrk="1" latinLnBrk="0" hangingPunct="1"/>
             <a:r>
-              <a:rPr kumimoji="0" lang="en-US" smtClean="0"/>
+              <a:rPr kumimoji="0" lang="en-US"/>
               <a:t>Click to edit Master text styles</a:t>
             </a:r>
           </a:p>
           <a:p>
             <a:pPr lvl="1" eaLnBrk="1" latinLnBrk="0" hangingPunct="1"/>
             <a:r>
-              <a:rPr kumimoji="0" lang="en-US" smtClean="0"/>
+              <a:rPr kumimoji="0" lang="en-US"/>
               <a:t>Second level</a:t>
             </a:r>
           </a:p>
           <a:p>
             <a:pPr lvl="2" eaLnBrk="1" latinLnBrk="0" hangingPunct="1"/>
             <a:r>
-              <a:rPr kumimoji="0" lang="en-US" smtClean="0"/>
+              <a:rPr kumimoji="0" lang="en-US"/>
               <a:t>Third level</a:t>
             </a:r>
           </a:p>
           <a:p>
             <a:pPr lvl="3" eaLnBrk="1" latinLnBrk="0" hangingPunct="1"/>
             <a:r>
-              <a:rPr kumimoji="0" lang="en-US" smtClean="0"/>
+              <a:rPr kumimoji="0" lang="en-US"/>
               <a:t>Fourth level</a:t>
             </a:r>
           </a:p>
           <a:p>
             <a:pPr lvl="4" eaLnBrk="1" latinLnBrk="0" hangingPunct="1"/>
             <a:r>
-              <a:rPr kumimoji="0" lang="en-US" smtClean="0"/>
+              <a:rPr kumimoji="0" lang="en-US"/>
               <a:t>Fifth level</a:t>
             </a:r>
-            <a:endParaRPr kumimoji="0" lang="en-US"/>
           </a:p>
         </p:txBody>
       </p:sp>
@@ -3695,7 +3708,7 @@
             <a:fld id="{97F9FE86-6232-4B82-85E4-3ABB51E5B8DE}" type="datetimeFigureOut">
               <a:rPr lang="en-US" smtClean="0"/>
               <a:pPr/>
-              <a:t>5/9/2020</a:t>
+              <a:t>2/2/2022</a:t>
             </a:fld>
             <a:endParaRPr lang="en-US"/>
           </a:p>
@@ -4330,99 +4343,12 @@
           <a:lstStyle/>
           <a:p>
             <a:r>
-              <a:rPr lang="en-US" dirty="0" smtClean="0"/>
+              <a:rPr lang="en-US" dirty="0"/>
               <a:t>AWS Signup</a:t>
             </a:r>
-            <a:endParaRPr lang="en-US" dirty="0"/>
-          </a:p>
-        </p:txBody>
-      </p:sp>
-    </p:spTree>
-  </p:cSld>
-  <p:clrMapOvr>
-    <a:masterClrMapping/>
-  </p:clrMapOvr>
-</p:sld>
-</file>
-
-<file path=ppt/slides/slide10.xml><?xml version="1.0" encoding="utf-8"?>
-<p:sld xmlns:a="http://schemas.openxmlformats.org/drawingml/2006/main" xmlns:r="http://schemas.openxmlformats.org/officeDocument/2006/relationships" xmlns:p="http://schemas.openxmlformats.org/presentationml/2006/main">
-  <p:cSld>
-    <p:spTree>
-      <p:nvGrpSpPr>
-        <p:cNvPr id="1" name=""/>
-        <p:cNvGrpSpPr/>
-        <p:nvPr/>
-      </p:nvGrpSpPr>
-      <p:grpSpPr>
-        <a:xfrm>
-          <a:off x="0" y="0"/>
-          <a:ext cx="0" cy="0"/>
-          <a:chOff x="0" y="0"/>
-          <a:chExt cx="0" cy="0"/>
-        </a:xfrm>
-      </p:grpSpPr>
-      <p:sp>
-        <p:nvSpPr>
-          <p:cNvPr id="2" name="Rectangle 1"/>
-          <p:cNvSpPr/>
-          <p:nvPr/>
-        </p:nvSpPr>
-        <p:spPr>
-          <a:xfrm>
-            <a:off x="762000" y="5943600"/>
-            <a:ext cx="7391400" cy="369332"/>
-          </a:xfrm>
-          <a:prstGeom prst="rect">
-            <a:avLst/>
-          </a:prstGeom>
-        </p:spPr>
-        <p:txBody>
-          <a:bodyPr wrap="square">
-            <a:spAutoFit/>
-          </a:bodyPr>
-          <a:lstStyle/>
-          <a:p>
-            <a:r>
-              <a:rPr lang="en-US" dirty="0" smtClean="0"/>
-              <a:t>Once signed in you will get in to AWS console look like above. </a:t>
-            </a:r>
-            <a:endParaRPr lang="en-US" dirty="0"/>
-          </a:p>
-        </p:txBody>
-      </p:sp>
-      <p:pic>
-        <p:nvPicPr>
-          <p:cNvPr id="9218" name="Picture 2"/>
-          <p:cNvPicPr>
-            <a:picLocks noChangeAspect="1" noChangeArrowheads="1"/>
-          </p:cNvPicPr>
-          <p:nvPr/>
-        </p:nvPicPr>
-        <p:blipFill>
-          <a:blip r:embed="rId2" cstate="print"/>
-          <a:srcRect/>
-          <a:stretch>
-            <a:fillRect/>
-          </a:stretch>
-        </p:blipFill>
-        <p:spPr bwMode="auto">
-          <a:xfrm>
-            <a:off x="762000" y="914400"/>
-            <a:ext cx="7696200" cy="4724400"/>
-          </a:xfrm>
-          <a:prstGeom prst="rect">
-            <a:avLst/>
-          </a:prstGeom>
-          <a:noFill/>
-          <a:ln w="9525">
-            <a:noFill/>
-            <a:miter lim="800000"/>
-            <a:headEnd/>
-            <a:tailEnd/>
-          </a:ln>
-        </p:spPr>
-      </p:pic>
+          </a:p>
+        </p:txBody>
+      </p:sp>
     </p:spTree>
   </p:cSld>
   <p:clrMapOvr>
@@ -4471,10 +4397,9 @@
           <a:lstStyle/>
           <a:p>
             <a:r>
-              <a:rPr lang="en-US" sz="3600" b="1" dirty="0" smtClean="0"/>
+              <a:rPr lang="en-US" sz="3600" b="1" dirty="0"/>
               <a:t>AWS signup step by step process </a:t>
             </a:r>
-            <a:endParaRPr lang="en-US" sz="3600" b="1" dirty="0"/>
           </a:p>
         </p:txBody>
       </p:sp>
@@ -4496,62 +4421,26 @@
         </p:spPr>
         <p:txBody>
           <a:bodyPr>
-            <a:normAutofit fontScale="77500" lnSpcReduction="20000"/>
+            <a:normAutofit/>
           </a:bodyPr>
           <a:lstStyle/>
           <a:p>
             <a:r>
-              <a:rPr lang="en-US" sz="1600" dirty="0" smtClean="0"/>
+              <a:rPr lang="en-US" sz="2000" dirty="0"/>
               <a:t>Open below URL to open AWS signup or login landing page. </a:t>
             </a:r>
           </a:p>
           <a:p>
             <a:r>
-              <a:rPr lang="en-US" sz="1600" dirty="0" smtClean="0">
+              <a:rPr lang="en-US" sz="2000" dirty="0">
                 <a:hlinkClick r:id="rId2"/>
               </a:rPr>
               <a:t>https://portal.aws.amazon.com/billing/signup#/start</a:t>
             </a:r>
-            <a:endParaRPr lang="en-US" sz="1600" dirty="0" smtClean="0"/>
-          </a:p>
-          <a:p>
-            <a:endParaRPr lang="en-US" sz="1600" dirty="0" smtClean="0"/>
-          </a:p>
-          <a:p>
-            <a:endParaRPr lang="en-US" sz="1600" dirty="0" smtClean="0"/>
-          </a:p>
-          <a:p>
-            <a:endParaRPr lang="en-US" sz="1600" dirty="0" smtClean="0"/>
-          </a:p>
-          <a:p>
-            <a:endParaRPr lang="en-US" sz="1600" dirty="0" smtClean="0"/>
-          </a:p>
-          <a:p>
-            <a:endParaRPr lang="en-US" sz="1600" dirty="0" smtClean="0"/>
-          </a:p>
-          <a:p>
-            <a:endParaRPr lang="en-US" sz="1600" dirty="0" smtClean="0"/>
-          </a:p>
-          <a:p>
-            <a:endParaRPr lang="en-US" sz="1600" dirty="0" smtClean="0"/>
-          </a:p>
-          <a:p>
-            <a:endParaRPr lang="en-US" sz="1600" dirty="0" smtClean="0"/>
-          </a:p>
-          <a:p>
-            <a:endParaRPr lang="en-US" sz="1600" dirty="0" smtClean="0"/>
-          </a:p>
-          <a:p>
-            <a:endParaRPr lang="en-US" sz="1600" dirty="0" smtClean="0"/>
-          </a:p>
-          <a:p>
-            <a:endParaRPr lang="en-US" sz="1600" dirty="0" smtClean="0"/>
-          </a:p>
-          <a:p>
-            <a:endParaRPr lang="en-US" sz="1600" dirty="0" smtClean="0"/>
-          </a:p>
-          <a:p>
-            <a:endParaRPr lang="en-US" sz="1600" dirty="0" smtClean="0"/>
+            <a:endParaRPr lang="en-US" sz="2000" dirty="0"/>
+          </a:p>
+          <a:p>
+            <a:endParaRPr lang="en-US" sz="2000" dirty="0"/>
           </a:p>
           <a:p>
             <a:pPr>
@@ -4559,7 +4448,97 @@
                 <a:spcPct val="120000"/>
               </a:lnSpc>
             </a:pPr>
-            <a:endParaRPr lang="en-US" sz="1600" dirty="0" smtClean="0"/>
+            <a:r>
+              <a:rPr lang="en-US" sz="2000" dirty="0"/>
+              <a:t>Enter the following;</a:t>
+            </a:r>
+          </a:p>
+          <a:p>
+            <a:pPr lvl="1">
+              <a:lnSpc>
+                <a:spcPct val="120000"/>
+              </a:lnSpc>
+            </a:pPr>
+            <a:r>
+              <a:rPr lang="en-US" sz="1800" dirty="0"/>
+              <a:t>Email address </a:t>
+            </a:r>
+          </a:p>
+          <a:p>
+            <a:pPr lvl="1">
+              <a:lnSpc>
+                <a:spcPct val="120000"/>
+              </a:lnSpc>
+            </a:pPr>
+            <a:r>
+              <a:rPr lang="en-US" sz="1800" dirty="0"/>
+              <a:t>Password</a:t>
+            </a:r>
+          </a:p>
+          <a:p>
+            <a:pPr lvl="1">
+              <a:lnSpc>
+                <a:spcPct val="120000"/>
+              </a:lnSpc>
+            </a:pPr>
+            <a:r>
+              <a:rPr lang="en-US" sz="1800" dirty="0"/>
+              <a:t>Confirm password</a:t>
+            </a:r>
+          </a:p>
+          <a:p>
+            <a:pPr lvl="1">
+              <a:lnSpc>
+                <a:spcPct val="120000"/>
+              </a:lnSpc>
+            </a:pPr>
+            <a:r>
+              <a:rPr lang="en-US" sz="1800" dirty="0"/>
+              <a:t>AWS account name</a:t>
+            </a:r>
+          </a:p>
+          <a:p>
+            <a:pPr marL="27432" indent="0">
+              <a:lnSpc>
+                <a:spcPct val="120000"/>
+              </a:lnSpc>
+              <a:buNone/>
+            </a:pPr>
+            <a:r>
+              <a:rPr lang="en-US" sz="2400" b="1" dirty="0"/>
+              <a:t>Click on Continue. </a:t>
+            </a:r>
+            <a:endParaRPr lang="en-US" sz="2000" dirty="0"/>
+          </a:p>
+          <a:p>
+            <a:endParaRPr lang="en-US" sz="2000" dirty="0"/>
+          </a:p>
+          <a:p>
+            <a:endParaRPr lang="en-US" sz="2000" dirty="0"/>
+          </a:p>
+          <a:p>
+            <a:endParaRPr lang="en-US" sz="2000" dirty="0"/>
+          </a:p>
+          <a:p>
+            <a:endParaRPr lang="en-US" sz="2000" dirty="0"/>
+          </a:p>
+          <a:p>
+            <a:endParaRPr lang="en-US" sz="2000" dirty="0"/>
+          </a:p>
+          <a:p>
+            <a:endParaRPr lang="en-US" sz="2000" dirty="0"/>
+          </a:p>
+          <a:p>
+            <a:endParaRPr lang="en-US" sz="2000" dirty="0"/>
+          </a:p>
+          <a:p>
+            <a:endParaRPr lang="en-US" sz="2000" dirty="0"/>
+          </a:p>
+          <a:p>
+            <a:endParaRPr lang="en-US" sz="2000" dirty="0"/>
+          </a:p>
+          <a:p>
+            <a:endParaRPr lang="en-US" sz="2000" dirty="0"/>
           </a:p>
           <a:p>
             <a:pPr>
@@ -4567,7 +4546,7 @@
                 <a:spcPct val="120000"/>
               </a:lnSpc>
             </a:pPr>
-            <a:endParaRPr lang="en-US" sz="1600" dirty="0" smtClean="0"/>
+            <a:endParaRPr lang="en-US" sz="2000" dirty="0"/>
           </a:p>
           <a:p>
             <a:pPr>
@@ -4575,7 +4554,7 @@
                 <a:spcPct val="120000"/>
               </a:lnSpc>
             </a:pPr>
-            <a:endParaRPr lang="en-US" sz="1600" dirty="0" smtClean="0"/>
+            <a:endParaRPr lang="en-US" sz="2000" dirty="0"/>
           </a:p>
           <a:p>
             <a:pPr>
@@ -4583,7 +4562,7 @@
                 <a:spcPct val="120000"/>
               </a:lnSpc>
             </a:pPr>
-            <a:endParaRPr lang="en-US" sz="1600" dirty="0" smtClean="0"/>
+            <a:endParaRPr lang="en-US" sz="2000" dirty="0"/>
           </a:p>
           <a:p>
             <a:pPr>
@@ -4591,7 +4570,7 @@
                 <a:spcPct val="120000"/>
               </a:lnSpc>
             </a:pPr>
-            <a:endParaRPr lang="en-US" sz="1600" dirty="0" smtClean="0"/>
+            <a:endParaRPr lang="en-US" sz="2000" dirty="0"/>
           </a:p>
           <a:p>
             <a:pPr>
@@ -4599,7 +4578,7 @@
                 <a:spcPct val="120000"/>
               </a:lnSpc>
             </a:pPr>
-            <a:endParaRPr lang="en-US" sz="1600" dirty="0" smtClean="0"/>
+            <a:endParaRPr lang="en-US" sz="2000" dirty="0"/>
           </a:p>
           <a:p>
             <a:pPr>
@@ -4607,7 +4586,7 @@
                 <a:spcPct val="120000"/>
               </a:lnSpc>
             </a:pPr>
-            <a:endParaRPr lang="en-US" sz="1600" dirty="0" smtClean="0"/>
+            <a:endParaRPr lang="en-US" sz="2000" dirty="0"/>
           </a:p>
           <a:p>
             <a:pPr>
@@ -4615,66 +4594,38 @@
                 <a:spcPct val="120000"/>
               </a:lnSpc>
             </a:pPr>
-            <a:r>
-              <a:rPr lang="en-US" sz="1600" dirty="0" smtClean="0"/>
-              <a:t>Enter your email id and specify a password, then enter a name for your account. </a:t>
-            </a:r>
-          </a:p>
-          <a:p>
-            <a:pPr>
-              <a:lnSpc>
-                <a:spcPct val="120000"/>
-              </a:lnSpc>
-            </a:pPr>
-            <a:r>
-              <a:rPr lang="en-US" sz="1600" dirty="0" smtClean="0"/>
-              <a:t>Click on Continue. </a:t>
-            </a:r>
-          </a:p>
-          <a:p>
-            <a:pPr>
-              <a:lnSpc>
-                <a:spcPct val="120000"/>
-              </a:lnSpc>
-            </a:pPr>
-            <a:r>
-              <a:rPr lang="en-US" sz="1600" dirty="0" smtClean="0"/>
-              <a:t>You will be displayed with the below screen. </a:t>
-            </a:r>
-            <a:endParaRPr lang="en-US" sz="1600" dirty="0"/>
+            <a:endParaRPr lang="en-US" sz="2000" dirty="0"/>
           </a:p>
         </p:txBody>
       </p:sp>
       <p:pic>
         <p:nvPicPr>
-          <p:cNvPr id="1029" name="Picture 5"/>
+          <p:cNvPr id="5" name="Picture 4">
+            <a:extLst>
+              <a:ext uri="{FF2B5EF4-FFF2-40B4-BE49-F238E27FC236}">
+                <a16:creationId xmlns:a16="http://schemas.microsoft.com/office/drawing/2014/main" id="{7A8107D8-F73D-4D8D-902C-37F65633364D}"/>
+              </a:ext>
+            </a:extLst>
+          </p:cNvPr>
           <p:cNvPicPr>
-            <a:picLocks noChangeAspect="1" noChangeArrowheads="1"/>
+            <a:picLocks noChangeAspect="1"/>
           </p:cNvPicPr>
           <p:nvPr/>
         </p:nvPicPr>
         <p:blipFill>
-          <a:blip r:embed="rId3" cstate="print"/>
-          <a:srcRect/>
+          <a:blip r:embed="rId3"/>
           <a:stretch>
             <a:fillRect/>
           </a:stretch>
         </p:blipFill>
-        <p:spPr bwMode="auto">
+        <p:spPr>
           <a:xfrm>
-            <a:off x="762000" y="2133600"/>
-            <a:ext cx="7391400" cy="3581400"/>
+            <a:off x="4038600" y="2590800"/>
+            <a:ext cx="2819400" cy="3934417"/>
           </a:xfrm>
           <a:prstGeom prst="rect">
             <a:avLst/>
           </a:prstGeom>
-          <a:noFill/>
-          <a:ln w="9525">
-            <a:noFill/>
-            <a:miter lim="800000"/>
-            <a:headEnd/>
-            <a:tailEnd/>
-          </a:ln>
         </p:spPr>
       </p:pic>
     </p:spTree>
@@ -4704,36 +4655,200 @@
       </p:grpSpPr>
       <p:pic>
         <p:nvPicPr>
-          <p:cNvPr id="2050" name="Picture 2"/>
+          <p:cNvPr id="3" name="Picture 2">
+            <a:extLst>
+              <a:ext uri="{FF2B5EF4-FFF2-40B4-BE49-F238E27FC236}">
+                <a16:creationId xmlns:a16="http://schemas.microsoft.com/office/drawing/2014/main" id="{75BD2022-CC8E-4910-B913-4985DA41473A}"/>
+              </a:ext>
+            </a:extLst>
+          </p:cNvPr>
           <p:cNvPicPr>
-            <a:picLocks noChangeAspect="1" noChangeArrowheads="1"/>
+            <a:picLocks noChangeAspect="1"/>
           </p:cNvPicPr>
           <p:nvPr/>
         </p:nvPicPr>
         <p:blipFill>
-          <a:blip r:embed="rId2" cstate="print"/>
-          <a:srcRect/>
+          <a:blip r:embed="rId2"/>
           <a:stretch>
             <a:fillRect/>
           </a:stretch>
         </p:blipFill>
-        <p:spPr bwMode="auto">
+        <p:spPr>
           <a:xfrm>
-            <a:off x="1447800" y="1066800"/>
-            <a:ext cx="6369050" cy="5334000"/>
+            <a:off x="5715000" y="1219200"/>
+            <a:ext cx="2421642" cy="5410200"/>
+          </a:xfrm>
+          <a:prstGeom prst="rect">
+            <a:avLst/>
+          </a:prstGeom>
+        </p:spPr>
+      </p:pic>
+      <p:sp>
+        <p:nvSpPr>
+          <p:cNvPr id="11" name="TextBox 10">
+            <a:extLst>
+              <a:ext uri="{FF2B5EF4-FFF2-40B4-BE49-F238E27FC236}">
+                <a16:creationId xmlns:a16="http://schemas.microsoft.com/office/drawing/2014/main" id="{9696970A-ADF3-4008-8797-B0649C1D7035}"/>
+              </a:ext>
+            </a:extLst>
+          </p:cNvPr>
+          <p:cNvSpPr txBox="1"/>
+          <p:nvPr/>
+        </p:nvSpPr>
+        <p:spPr>
+          <a:xfrm>
+            <a:off x="457200" y="1219200"/>
+            <a:ext cx="4586514" cy="3765903"/>
           </a:xfrm>
           <a:prstGeom prst="rect">
             <a:avLst/>
           </a:prstGeom>
           <a:noFill/>
-          <a:ln w="9525">
-            <a:noFill/>
-            <a:miter lim="800000"/>
-            <a:headEnd/>
-            <a:tailEnd/>
-          </a:ln>
         </p:spPr>
-      </p:pic>
+        <p:txBody>
+          <a:bodyPr wrap="square">
+            <a:spAutoFit/>
+          </a:bodyPr>
+          <a:lstStyle/>
+          <a:p>
+            <a:pPr marL="285750" indent="-285750">
+              <a:lnSpc>
+                <a:spcPct val="120000"/>
+              </a:lnSpc>
+              <a:buFont typeface="Arial" panose="020B0604020202020204" pitchFamily="34" charset="0"/>
+              <a:buChar char="•"/>
+            </a:pPr>
+            <a:r>
+              <a:rPr lang="en-US" sz="2000" dirty="0"/>
+              <a:t>Select Personal –for your own project</a:t>
+            </a:r>
+          </a:p>
+          <a:p>
+            <a:pPr marL="285750" indent="-285750">
+              <a:lnSpc>
+                <a:spcPct val="120000"/>
+              </a:lnSpc>
+              <a:buFont typeface="Arial" panose="020B0604020202020204" pitchFamily="34" charset="0"/>
+              <a:buChar char="•"/>
+            </a:pPr>
+            <a:r>
+              <a:rPr lang="en-US" sz="2000" dirty="0"/>
+              <a:t>Enter the following;</a:t>
+            </a:r>
+          </a:p>
+          <a:p>
+            <a:pPr marL="742950" lvl="1" indent="-285750">
+              <a:lnSpc>
+                <a:spcPct val="120000"/>
+              </a:lnSpc>
+              <a:buFont typeface="Arial" panose="020B0604020202020204" pitchFamily="34" charset="0"/>
+              <a:buChar char="•"/>
+            </a:pPr>
+            <a:r>
+              <a:rPr lang="en-US" dirty="0"/>
+              <a:t>Full name</a:t>
+            </a:r>
+          </a:p>
+          <a:p>
+            <a:pPr marL="742950" lvl="1" indent="-285750">
+              <a:lnSpc>
+                <a:spcPct val="120000"/>
+              </a:lnSpc>
+              <a:buFont typeface="Arial" panose="020B0604020202020204" pitchFamily="34" charset="0"/>
+              <a:buChar char="•"/>
+            </a:pPr>
+            <a:r>
+              <a:rPr lang="en-US" dirty="0"/>
+              <a:t>Phone number </a:t>
+            </a:r>
+          </a:p>
+          <a:p>
+            <a:pPr marL="742950" lvl="1" indent="-285750">
+              <a:lnSpc>
+                <a:spcPct val="120000"/>
+              </a:lnSpc>
+              <a:buFont typeface="Arial" panose="020B0604020202020204" pitchFamily="34" charset="0"/>
+              <a:buChar char="•"/>
+            </a:pPr>
+            <a:r>
+              <a:rPr lang="en-US" dirty="0"/>
+              <a:t>Country or region</a:t>
+            </a:r>
+          </a:p>
+          <a:p>
+            <a:pPr marL="742950" lvl="1" indent="-285750">
+              <a:lnSpc>
+                <a:spcPct val="120000"/>
+              </a:lnSpc>
+              <a:buFont typeface="Arial" panose="020B0604020202020204" pitchFamily="34" charset="0"/>
+              <a:buChar char="•"/>
+            </a:pPr>
+            <a:r>
+              <a:rPr lang="en-US" dirty="0"/>
+              <a:t>Address</a:t>
+            </a:r>
+          </a:p>
+          <a:p>
+            <a:pPr marL="742950" lvl="1" indent="-285750">
+              <a:lnSpc>
+                <a:spcPct val="120000"/>
+              </a:lnSpc>
+              <a:buFont typeface="Arial" panose="020B0604020202020204" pitchFamily="34" charset="0"/>
+              <a:buChar char="•"/>
+            </a:pPr>
+            <a:r>
+              <a:rPr lang="en-US" dirty="0"/>
+              <a:t>City</a:t>
+            </a:r>
+          </a:p>
+          <a:p>
+            <a:pPr marL="742950" lvl="1" indent="-285750">
+              <a:lnSpc>
+                <a:spcPct val="120000"/>
+              </a:lnSpc>
+              <a:buFont typeface="Arial" panose="020B0604020202020204" pitchFamily="34" charset="0"/>
+              <a:buChar char="•"/>
+            </a:pPr>
+            <a:r>
+              <a:rPr lang="en-US" dirty="0"/>
+              <a:t>State, Province, or Region</a:t>
+            </a:r>
+          </a:p>
+          <a:p>
+            <a:pPr marL="742950" lvl="1" indent="-285750">
+              <a:lnSpc>
+                <a:spcPct val="120000"/>
+              </a:lnSpc>
+              <a:buFont typeface="Arial" panose="020B0604020202020204" pitchFamily="34" charset="0"/>
+              <a:buChar char="•"/>
+            </a:pPr>
+            <a:r>
+              <a:rPr lang="en-US" dirty="0"/>
+              <a:t>Postal Code</a:t>
+            </a:r>
+          </a:p>
+          <a:p>
+            <a:pPr>
+              <a:lnSpc>
+                <a:spcPct val="120000"/>
+              </a:lnSpc>
+            </a:pPr>
+            <a:r>
+              <a:rPr lang="en-US" b="1" dirty="0"/>
+              <a:t>Click on Continue. </a:t>
+            </a:r>
+            <a:endParaRPr lang="en-US" sz="1600" dirty="0"/>
+          </a:p>
+          <a:p>
+            <a:pPr>
+              <a:lnSpc>
+                <a:spcPct val="120000"/>
+              </a:lnSpc>
+            </a:pPr>
+            <a:endParaRPr lang="en-US" dirty="0"/>
+          </a:p>
+        </p:txBody>
+      </p:sp>
     </p:spTree>
   </p:cSld>
   <p:clrMapOvr>
@@ -4761,74 +4876,79 @@
       </p:grpSpPr>
       <p:pic>
         <p:nvPicPr>
-          <p:cNvPr id="3074" name="Picture 2"/>
+          <p:cNvPr id="3" name="Picture 2">
+            <a:extLst>
+              <a:ext uri="{FF2B5EF4-FFF2-40B4-BE49-F238E27FC236}">
+                <a16:creationId xmlns:a16="http://schemas.microsoft.com/office/drawing/2014/main" id="{43843313-B59F-4225-BE3D-67ECDB26276C}"/>
+              </a:ext>
+            </a:extLst>
+          </p:cNvPr>
           <p:cNvPicPr>
-            <a:picLocks noChangeAspect="1" noChangeArrowheads="1"/>
+            <a:picLocks noChangeAspect="1"/>
           </p:cNvPicPr>
           <p:nvPr/>
         </p:nvPicPr>
         <p:blipFill>
-          <a:blip r:embed="rId2" cstate="print"/>
-          <a:srcRect/>
+          <a:blip r:embed="rId2"/>
           <a:stretch>
             <a:fillRect/>
           </a:stretch>
         </p:blipFill>
-        <p:spPr bwMode="auto">
-          <a:xfrm>
-            <a:off x="838199" y="1143000"/>
-            <a:ext cx="7620001" cy="3886200"/>
-          </a:xfrm>
-          <a:prstGeom prst="rect">
-            <a:avLst/>
-          </a:prstGeom>
-          <a:noFill/>
-          <a:ln w="9525">
-            <a:noFill/>
-            <a:miter lim="800000"/>
-            <a:headEnd/>
-            <a:tailEnd/>
-          </a:ln>
-        </p:spPr>
-      </p:pic>
-      <p:sp>
-        <p:nvSpPr>
-          <p:cNvPr id="5" name="Rectangle 4"/>
-          <p:cNvSpPr/>
-          <p:nvPr/>
-        </p:nvSpPr>
         <p:spPr>
           <a:xfrm>
-            <a:off x="914400" y="5105400"/>
-            <a:ext cx="7543800" cy="1477328"/>
+            <a:off x="5410200" y="1143000"/>
+            <a:ext cx="2971800" cy="5337454"/>
           </a:xfrm>
           <a:prstGeom prst="rect">
             <a:avLst/>
           </a:prstGeom>
         </p:spPr>
+      </p:pic>
+      <p:sp>
+        <p:nvSpPr>
+          <p:cNvPr id="6" name="Rectangle 5">
+            <a:extLst>
+              <a:ext uri="{FF2B5EF4-FFF2-40B4-BE49-F238E27FC236}">
+                <a16:creationId xmlns:a16="http://schemas.microsoft.com/office/drawing/2014/main" id="{0D80DC37-E9EE-42B7-9676-E0314FB900FD}"/>
+              </a:ext>
+            </a:extLst>
+          </p:cNvPr>
+          <p:cNvSpPr/>
+          <p:nvPr/>
+        </p:nvSpPr>
+        <p:spPr>
+          <a:xfrm>
+            <a:off x="457200" y="3166236"/>
+            <a:ext cx="4800600" cy="646331"/>
+          </a:xfrm>
+          <a:prstGeom prst="rect">
+            <a:avLst/>
+          </a:prstGeom>
+        </p:spPr>
         <p:txBody>
           <a:bodyPr wrap="square">
             <a:spAutoFit/>
           </a:bodyPr>
           <a:lstStyle/>
           <a:p>
-            <a:r>
-              <a:rPr lang="en-US" dirty="0" smtClean="0"/>
-              <a:t>Select the account type as personnel for personnel usage or select Professional for corporate usage. </a:t>
-            </a:r>
-          </a:p>
-          <a:p>
-            <a:r>
-              <a:rPr lang="en-US" dirty="0" smtClean="0"/>
-              <a:t> </a:t>
-            </a:r>
-          </a:p>
-          <a:p>
-            <a:r>
-              <a:rPr lang="en-US" dirty="0" smtClean="0"/>
-              <a:t>Then specify the phone number, and address details. Select the check box to agree the terms and click on Create Account and Continue. </a:t>
-            </a:r>
-            <a:endParaRPr lang="en-US" dirty="0"/>
+            <a:pPr marL="285750" indent="-285750">
+              <a:buFont typeface="Arial" panose="020B0604020202020204" pitchFamily="34" charset="0"/>
+              <a:buChar char="•"/>
+            </a:pPr>
+            <a:r>
+              <a:rPr lang="en-US" dirty="0"/>
+              <a:t>Then provide your credit/debit card details</a:t>
+            </a:r>
+          </a:p>
+          <a:p>
+            <a:pPr marL="285750" indent="-285750">
+              <a:buFont typeface="Arial" panose="020B0604020202020204" pitchFamily="34" charset="0"/>
+              <a:buChar char="•"/>
+            </a:pPr>
+            <a:r>
+              <a:rPr lang="en-US" dirty="0"/>
+              <a:t>Specify billing address </a:t>
+            </a:r>
           </a:p>
         </p:txBody>
       </p:sp>
@@ -4841,92 +4961,6 @@
 </file>
 
 <file path=ppt/slides/slide5.xml><?xml version="1.0" encoding="utf-8"?>
-<p:sld xmlns:a="http://schemas.openxmlformats.org/drawingml/2006/main" xmlns:r="http://schemas.openxmlformats.org/officeDocument/2006/relationships" xmlns:p="http://schemas.openxmlformats.org/presentationml/2006/main">
-  <p:cSld>
-    <p:spTree>
-      <p:nvGrpSpPr>
-        <p:cNvPr id="1" name=""/>
-        <p:cNvGrpSpPr/>
-        <p:nvPr/>
-      </p:nvGrpSpPr>
-      <p:grpSpPr>
-        <a:xfrm>
-          <a:off x="0" y="0"/>
-          <a:ext cx="0" cy="0"/>
-          <a:chOff x="0" y="0"/>
-          <a:chExt cx="0" cy="0"/>
-        </a:xfrm>
-      </p:grpSpPr>
-      <p:pic>
-        <p:nvPicPr>
-          <p:cNvPr id="4098" name="Picture 2"/>
-          <p:cNvPicPr>
-            <a:picLocks noChangeAspect="1" noChangeArrowheads="1"/>
-          </p:cNvPicPr>
-          <p:nvPr/>
-        </p:nvPicPr>
-        <p:blipFill>
-          <a:blip r:embed="rId2" cstate="print"/>
-          <a:srcRect/>
-          <a:stretch>
-            <a:fillRect/>
-          </a:stretch>
-        </p:blipFill>
-        <p:spPr bwMode="auto">
-          <a:xfrm>
-            <a:off x="1524000" y="990600"/>
-            <a:ext cx="6032500" cy="3435350"/>
-          </a:xfrm>
-          <a:prstGeom prst="rect">
-            <a:avLst/>
-          </a:prstGeom>
-          <a:noFill/>
-          <a:ln w="9525">
-            <a:noFill/>
-            <a:miter lim="800000"/>
-            <a:headEnd/>
-            <a:tailEnd/>
-          </a:ln>
-        </p:spPr>
-      </p:pic>
-      <p:sp>
-        <p:nvSpPr>
-          <p:cNvPr id="5" name="Rectangle 4"/>
-          <p:cNvSpPr/>
-          <p:nvPr/>
-        </p:nvSpPr>
-        <p:spPr>
-          <a:xfrm>
-            <a:off x="1143000" y="5257800"/>
-            <a:ext cx="7239000" cy="923330"/>
-          </a:xfrm>
-          <a:prstGeom prst="rect">
-            <a:avLst/>
-          </a:prstGeom>
-        </p:spPr>
-        <p:txBody>
-          <a:bodyPr wrap="square">
-            <a:spAutoFit/>
-          </a:bodyPr>
-          <a:lstStyle/>
-          <a:p>
-            <a:r>
-              <a:rPr lang="en-US" dirty="0" smtClean="0"/>
-              <a:t>Then provide your credit/debit card details, specify billing address and if you want to provide your PAN info select Yes and provide or choose No, finally click on Secure Submit.</a:t>
-            </a:r>
-            <a:endParaRPr lang="en-US" dirty="0"/>
-          </a:p>
-        </p:txBody>
-      </p:sp>
-    </p:spTree>
-  </p:cSld>
-  <p:clrMapOvr>
-    <a:masterClrMapping/>
-  </p:clrMapOvr>
-</p:sld>
-</file>
-
-<file path=ppt/slides/slide6.xml><?xml version="1.0" encoding="utf-8"?>
 <p:sld xmlns:a="http://schemas.openxmlformats.org/drawingml/2006/main" xmlns:r="http://schemas.openxmlformats.org/officeDocument/2006/relationships" xmlns:p="http://schemas.openxmlformats.org/presentationml/2006/main">
   <p:cSld>
     <p:spTree>
@@ -4997,10 +5031,9 @@
           <a:lstStyle/>
           <a:p>
             <a:r>
-              <a:rPr lang="en-US" dirty="0" smtClean="0"/>
+              <a:rPr lang="en-US" dirty="0"/>
               <a:t>Next, provide you phone information for phone verification, note that you will get IVR call on the specified number make a note of that. Then click on call Me Now when you are ready. </a:t>
             </a:r>
-            <a:endParaRPr lang="en-US" dirty="0"/>
           </a:p>
         </p:txBody>
       </p:sp>
@@ -5012,7 +5045,7 @@
 </p:sld>
 </file>
 
-<file path=ppt/slides/slide7.xml><?xml version="1.0" encoding="utf-8"?>
+<file path=ppt/slides/slide6.xml><?xml version="1.0" encoding="utf-8"?>
 <p:sld xmlns:a="http://schemas.openxmlformats.org/drawingml/2006/main" xmlns:r="http://schemas.openxmlformats.org/officeDocument/2006/relationships" xmlns:p="http://schemas.openxmlformats.org/presentationml/2006/main">
   <p:cSld>
     <p:spTree>
@@ -5083,7 +5116,7 @@
           <a:lstStyle/>
           <a:p>
             <a:r>
-              <a:rPr lang="en-US" dirty="0" smtClean="0"/>
+              <a:rPr lang="en-US" dirty="0"/>
               <a:t>Once completed successfully, you will get a confirmation like this. </a:t>
             </a:r>
           </a:p>
@@ -5132,7 +5165,7 @@
 </p:sld>
 </file>
 
-<file path=ppt/slides/slide8.xml><?xml version="1.0" encoding="utf-8"?>
+<file path=ppt/slides/slide7.xml><?xml version="1.0" encoding="utf-8"?>
 <p:sld xmlns:a="http://schemas.openxmlformats.org/drawingml/2006/main" xmlns:r="http://schemas.openxmlformats.org/officeDocument/2006/relationships" xmlns:p="http://schemas.openxmlformats.org/presentationml/2006/main">
   <p:cSld>
     <p:spTree>
@@ -5203,22 +5236,22 @@
           <a:lstStyle/>
           <a:p>
             <a:r>
-              <a:rPr lang="en-US" dirty="0" smtClean="0"/>
+              <a:rPr lang="en-US" dirty="0"/>
               <a:t>Next, select the support plan as Basic Plan which is free. </a:t>
             </a:r>
           </a:p>
           <a:p>
-            <a:endParaRPr lang="en-US" dirty="0" smtClean="0"/>
-          </a:p>
-          <a:p>
-            <a:r>
-              <a:rPr lang="en-US" dirty="0" smtClean="0"/>
+            <a:endParaRPr lang="en-US" dirty="0"/>
+          </a:p>
+          <a:p>
+            <a:r>
+              <a:rPr lang="en-US" dirty="0"/>
               <a:t>You can find the more information on the below link regarding the support plans and its features </a:t>
             </a:r>
           </a:p>
           <a:p>
             <a:r>
-              <a:rPr lang="en-US" dirty="0" smtClean="0">
+              <a:rPr lang="en-US" dirty="0">
                 <a:hlinkClick r:id="rId3"/>
               </a:rPr>
               <a:t>https://aws.amazon.com/premiumsupport/plans/</a:t>
@@ -5227,6 +5260,110 @@
           </a:p>
         </p:txBody>
       </p:sp>
+    </p:spTree>
+  </p:cSld>
+  <p:clrMapOvr>
+    <a:masterClrMapping/>
+  </p:clrMapOvr>
+</p:sld>
+</file>
+
+<file path=ppt/slides/slide8.xml><?xml version="1.0" encoding="utf-8"?>
+<p:sld xmlns:a="http://schemas.openxmlformats.org/drawingml/2006/main" xmlns:r="http://schemas.openxmlformats.org/officeDocument/2006/relationships" xmlns:p="http://schemas.openxmlformats.org/presentationml/2006/main">
+  <p:cSld>
+    <p:spTree>
+      <p:nvGrpSpPr>
+        <p:cNvPr id="1" name=""/>
+        <p:cNvGrpSpPr/>
+        <p:nvPr/>
+      </p:nvGrpSpPr>
+      <p:grpSpPr>
+        <a:xfrm>
+          <a:off x="0" y="0"/>
+          <a:ext cx="0" cy="0"/>
+          <a:chOff x="0" y="0"/>
+          <a:chExt cx="0" cy="0"/>
+        </a:xfrm>
+      </p:grpSpPr>
+      <p:sp>
+        <p:nvSpPr>
+          <p:cNvPr id="3" name="Rectangle 2"/>
+          <p:cNvSpPr/>
+          <p:nvPr/>
+        </p:nvSpPr>
+        <p:spPr>
+          <a:xfrm>
+            <a:off x="269508" y="2362200"/>
+            <a:ext cx="4759692" cy="1477328"/>
+          </a:xfrm>
+          <a:prstGeom prst="rect">
+            <a:avLst/>
+          </a:prstGeom>
+        </p:spPr>
+        <p:txBody>
+          <a:bodyPr wrap="square">
+            <a:spAutoFit/>
+          </a:bodyPr>
+          <a:lstStyle/>
+          <a:p>
+            <a:pPr marL="285750" indent="-285750">
+              <a:buFont typeface="Arial" panose="020B0604020202020204" pitchFamily="34" charset="0"/>
+              <a:buChar char="•"/>
+            </a:pPr>
+            <a:r>
+              <a:rPr lang="en-US" dirty="0"/>
+              <a:t>Provide your email id which you have used to sign up to AWS, then click on Next. </a:t>
+            </a:r>
+          </a:p>
+          <a:p>
+            <a:pPr marL="285750" indent="-285750">
+              <a:buFont typeface="Arial" panose="020B0604020202020204" pitchFamily="34" charset="0"/>
+              <a:buChar char="•"/>
+            </a:pPr>
+            <a:endParaRPr lang="en-US" dirty="0"/>
+          </a:p>
+          <a:p>
+            <a:pPr marL="285750" indent="-285750">
+              <a:buFont typeface="Arial" panose="020B0604020202020204" pitchFamily="34" charset="0"/>
+              <a:buChar char="•"/>
+            </a:pPr>
+            <a:r>
+              <a:rPr lang="en-US" dirty="0"/>
+              <a:t>Next provide your password and click on sign in to sing into AWS console. </a:t>
+            </a:r>
+          </a:p>
+        </p:txBody>
+      </p:sp>
+      <p:pic>
+        <p:nvPicPr>
+          <p:cNvPr id="4" name="Picture 3">
+            <a:extLst>
+              <a:ext uri="{FF2B5EF4-FFF2-40B4-BE49-F238E27FC236}">
+                <a16:creationId xmlns:a16="http://schemas.microsoft.com/office/drawing/2014/main" id="{53CCE0BC-F067-434D-8DFE-DD7AB2CA887E}"/>
+              </a:ext>
+            </a:extLst>
+          </p:cNvPr>
+          <p:cNvPicPr>
+            <a:picLocks noChangeAspect="1"/>
+          </p:cNvPicPr>
+          <p:nvPr/>
+        </p:nvPicPr>
+        <p:blipFill>
+          <a:blip r:embed="rId2"/>
+          <a:stretch>
+            <a:fillRect/>
+          </a:stretch>
+        </p:blipFill>
+        <p:spPr>
+          <a:xfrm>
+            <a:off x="5029200" y="1295400"/>
+            <a:ext cx="3305175" cy="4419600"/>
+          </a:xfrm>
+          <a:prstGeom prst="rect">
+            <a:avLst/>
+          </a:prstGeom>
+        </p:spPr>
+      </p:pic>
     </p:spTree>
   </p:cSld>
   <p:clrMapOvr>
@@ -5252,9 +5389,37 @@
           <a:chExt cx="0" cy="0"/>
         </a:xfrm>
       </p:grpSpPr>
+      <p:sp>
+        <p:nvSpPr>
+          <p:cNvPr id="2" name="Rectangle 1"/>
+          <p:cNvSpPr/>
+          <p:nvPr/>
+        </p:nvSpPr>
+        <p:spPr>
+          <a:xfrm>
+            <a:off x="762000" y="5943600"/>
+            <a:ext cx="7391400" cy="369332"/>
+          </a:xfrm>
+          <a:prstGeom prst="rect">
+            <a:avLst/>
+          </a:prstGeom>
+        </p:spPr>
+        <p:txBody>
+          <a:bodyPr wrap="square">
+            <a:spAutoFit/>
+          </a:bodyPr>
+          <a:lstStyle/>
+          <a:p>
+            <a:r>
+              <a:rPr lang="en-US" dirty="0"/>
+              <a:t>Once signed in you will get in to AWS console look like above. </a:t>
+            </a:r>
+          </a:p>
+        </p:txBody>
+      </p:sp>
       <p:pic>
         <p:nvPicPr>
-          <p:cNvPr id="8194" name="Picture 2"/>
+          <p:cNvPr id="9218" name="Picture 2"/>
           <p:cNvPicPr>
             <a:picLocks noChangeAspect="1" noChangeArrowheads="1"/>
           </p:cNvPicPr>
@@ -5269,8 +5434,8 @@
         </p:blipFill>
         <p:spPr bwMode="auto">
           <a:xfrm>
-            <a:off x="1143000" y="914400"/>
-            <a:ext cx="4443211" cy="3505200"/>
+            <a:off x="762000" y="914400"/>
+            <a:ext cx="7696200" cy="4724400"/>
           </a:xfrm>
           <a:prstGeom prst="rect">
             <a:avLst/>
@@ -5284,44 +5449,6 @@
           </a:ln>
         </p:spPr>
       </p:pic>
-      <p:sp>
-        <p:nvSpPr>
-          <p:cNvPr id="3" name="Rectangle 2"/>
-          <p:cNvSpPr/>
-          <p:nvPr/>
-        </p:nvSpPr>
-        <p:spPr>
-          <a:xfrm>
-            <a:off x="685800" y="4724400"/>
-            <a:ext cx="7924800" cy="1200329"/>
-          </a:xfrm>
-          <a:prstGeom prst="rect">
-            <a:avLst/>
-          </a:prstGeom>
-        </p:spPr>
-        <p:txBody>
-          <a:bodyPr wrap="square">
-            <a:spAutoFit/>
-          </a:bodyPr>
-          <a:lstStyle/>
-          <a:p>
-            <a:r>
-              <a:rPr lang="en-US" dirty="0" smtClean="0"/>
-              <a:t>Provide your email id which you have used to sign up to AWS, then click on Next. </a:t>
-            </a:r>
-          </a:p>
-          <a:p>
-            <a:endParaRPr lang="en-US" dirty="0" smtClean="0"/>
-          </a:p>
-          <a:p>
-            <a:r>
-              <a:rPr lang="en-US" dirty="0" smtClean="0"/>
-              <a:t>Next provide your password and click on sign in to sing in to AWS console. </a:t>
-            </a:r>
-            <a:endParaRPr lang="en-US" dirty="0"/>
-          </a:p>
-        </p:txBody>
-      </p:sp>
     </p:spTree>
   </p:cSld>
   <p:clrMapOvr>
